--- a/Fed_Reg_Presentationpptx.pptx
+++ b/Fed_Reg_Presentationpptx.pptx
@@ -4584,7 +4584,7 @@
           <a:p>
             <a:r>
               <a:rPr lang="en-US" dirty="0"/>
-              <a:t>There are 60 unique agencies represented.</a:t>
+              <a:t>There are 48 unique agencies represented.</a:t>
             </a:r>
           </a:p>
           <a:p>
@@ -4786,10 +4786,10 @@
       </p:grpSpPr>
       <p:pic>
         <p:nvPicPr>
-          <p:cNvPr id="9" name="Content Placeholder 8" descr="A screenshot of a cell phone&#10;&#10;Description automatically generated">
+          <p:cNvPr id="13" name="Content Placeholder 12" descr="A screenshot of a cell phone&#10;&#10;Description automatically generated">
             <a:extLst>
               <a:ext uri="{FF2B5EF4-FFF2-40B4-BE49-F238E27FC236}">
-                <a16:creationId xmlns:a16="http://schemas.microsoft.com/office/drawing/2014/main" id="{DE52AB3D-C825-48E3-8F4B-47A6F9837BE4}"/>
+                <a16:creationId xmlns:a16="http://schemas.microsoft.com/office/drawing/2014/main" id="{A5A40E9D-8AE4-4C3B-AA81-73366CFEF43D}"/>
               </a:ext>
             </a:extLst>
           </p:cNvPr>
@@ -4808,8 +4808,8 @@
         </p:blipFill>
         <p:spPr>
           <a:xfrm>
-            <a:off x="169838" y="1219200"/>
-            <a:ext cx="11038173" cy="4957371"/>
+            <a:off x="543192" y="1036674"/>
+            <a:ext cx="10429850" cy="4784651"/>
           </a:xfrm>
         </p:spPr>
       </p:pic>

--- a/Fed_Reg_Presentationpptx.pptx
+++ b/Fed_Reg_Presentationpptx.pptx
@@ -5,7 +5,7 @@
     <p:sldMasterId id="2147483840" r:id="rId4"/>
   </p:sldMasterIdLst>
   <p:notesMasterIdLst>
-    <p:notesMasterId r:id="rId15"/>
+    <p:notesMasterId r:id="rId16"/>
   </p:notesMasterIdLst>
   <p:sldIdLst>
     <p:sldId id="268" r:id="rId5"/>
@@ -16,8 +16,9 @@
     <p:sldId id="274" r:id="rId10"/>
     <p:sldId id="275" r:id="rId11"/>
     <p:sldId id="276" r:id="rId12"/>
-    <p:sldId id="277" r:id="rId13"/>
-    <p:sldId id="278" r:id="rId14"/>
+    <p:sldId id="279" r:id="rId13"/>
+    <p:sldId id="277" r:id="rId14"/>
+    <p:sldId id="278" r:id="rId15"/>
   </p:sldIdLst>
   <p:sldSz cx="12192000" cy="6858000"/>
   <p:notesSz cx="6858000" cy="9144000"/>
@@ -206,7 +207,7 @@
           <a:p>
             <a:fld id="{DD8176FF-F5B4-4D45-8779-9F0F455743E8}" type="datetimeFigureOut">
               <a:rPr lang="en-US" smtClean="0"/>
-              <a:t>11/15/2019</a:t>
+              <a:t>11/25/2019</a:t>
             </a:fld>
             <a:endParaRPr lang="en-US" dirty="0"/>
           </a:p>
@@ -639,7 +640,7 @@
           <a:p>
             <a:fld id="{60ADF3C0-B1FB-42DC-B478-AF84C3CE5C3C}" type="datetime1">
               <a:rPr lang="en-US" smtClean="0"/>
-              <a:t>11/15/2019</a:t>
+              <a:t>11/25/2019</a:t>
             </a:fld>
             <a:endParaRPr lang="en-US" dirty="0"/>
           </a:p>
@@ -861,7 +862,7 @@
           <a:p>
             <a:fld id="{B31DA58D-CE36-42FB-A681-D4975774D88C}" type="datetime1">
               <a:rPr lang="en-US" smtClean="0"/>
-              <a:t>11/15/2019</a:t>
+              <a:t>11/25/2019</a:t>
             </a:fld>
             <a:endParaRPr lang="en-US" dirty="0"/>
           </a:p>
@@ -1034,7 +1035,7 @@
           <a:p>
             <a:fld id="{E905E26B-855B-4DB6-BFA6-A35E4D51FCF3}" type="datetime1">
               <a:rPr lang="en-US" smtClean="0"/>
-              <a:t>11/15/2019</a:t>
+              <a:t>11/25/2019</a:t>
             </a:fld>
             <a:endParaRPr lang="en-US" dirty="0"/>
           </a:p>
@@ -1197,7 +1198,7 @@
           <a:p>
             <a:fld id="{80EDD5F4-8AF8-46B9-B655-FECF27EF63FD}" type="datetime1">
               <a:rPr lang="en-US" smtClean="0"/>
-              <a:t>11/15/2019</a:t>
+              <a:t>11/25/2019</a:t>
             </a:fld>
             <a:endParaRPr lang="en-US" dirty="0"/>
           </a:p>
@@ -1445,7 +1446,7 @@
           <a:p>
             <a:fld id="{8C119408-9C27-42D0-A3E3-2484768A8F22}" type="datetime1">
               <a:rPr lang="en-US" smtClean="0"/>
-              <a:t>11/15/2019</a:t>
+              <a:t>11/25/2019</a:t>
             </a:fld>
             <a:endParaRPr lang="en-US" dirty="0"/>
           </a:p>
@@ -1763,7 +1764,7 @@
           <a:p>
             <a:fld id="{409DC33F-8D7B-46CC-9F59-1A17976147CE}" type="datetime1">
               <a:rPr lang="en-US" smtClean="0"/>
-              <a:t>11/15/2019</a:t>
+              <a:t>11/25/2019</a:t>
             </a:fld>
             <a:endParaRPr lang="en-US" dirty="0"/>
           </a:p>
@@ -2206,7 +2207,7 @@
           <a:p>
             <a:fld id="{4082513A-523B-4CD2-9C8B-D457F28F4ABD}" type="datetime1">
               <a:rPr lang="en-US" smtClean="0"/>
-              <a:t>11/15/2019</a:t>
+              <a:t>11/25/2019</a:t>
             </a:fld>
             <a:endParaRPr lang="en-US" dirty="0"/>
           </a:p>
@@ -2318,7 +2319,7 @@
           <a:p>
             <a:fld id="{FB5548E7-81A7-49BE-B31E-01672C55CDBE}" type="datetime1">
               <a:rPr lang="en-US" smtClean="0"/>
-              <a:t>11/15/2019</a:t>
+              <a:t>11/25/2019</a:t>
             </a:fld>
             <a:endParaRPr lang="en-US" dirty="0"/>
           </a:p>
@@ -2408,7 +2409,7 @@
           <a:p>
             <a:fld id="{C408A03C-BA82-4F79-A730-B582D55F1D51}" type="datetime1">
               <a:rPr lang="en-US" smtClean="0"/>
-              <a:t>11/15/2019</a:t>
+              <a:t>11/25/2019</a:t>
             </a:fld>
             <a:endParaRPr lang="en-US" dirty="0"/>
           </a:p>
@@ -2688,7 +2689,7 @@
           <a:p>
             <a:fld id="{8E417FC7-A8BD-4D51-8A8C-57C129BB2ED5}" type="datetime1">
               <a:rPr lang="en-US" smtClean="0"/>
-              <a:t>11/15/2019</a:t>
+              <a:t>11/25/2019</a:t>
             </a:fld>
             <a:endParaRPr lang="en-US" dirty="0"/>
           </a:p>
@@ -3004,7 +3005,7 @@
           <a:p>
             <a:fld id="{AB91B8F2-452F-47BB-A0B0-A22052EA7BBF}" type="datetime1">
               <a:rPr lang="en-US" smtClean="0"/>
-              <a:t>11/15/2019</a:t>
+              <a:t>11/25/2019</a:t>
             </a:fld>
             <a:endParaRPr lang="en-US" dirty="0"/>
           </a:p>
@@ -3251,7 +3252,7 @@
           <a:p>
             <a:fld id="{EA4FA73F-E3AE-4666-833E-DAC3CC7447FA}" type="datetime1">
               <a:rPr lang="en-US" smtClean="0"/>
-              <a:t>11/15/2019</a:t>
+              <a:t>11/25/2019</a:t>
             </a:fld>
             <a:endParaRPr lang="en-US" dirty="0"/>
           </a:p>
@@ -4003,6 +4004,221 @@
       </p:sp>
       <p:pic>
         <p:nvPicPr>
+          <p:cNvPr id="9" name="Content Placeholder 8" descr="A screenshot of a cell phone&#10;&#10;Description automatically generated">
+            <a:extLst>
+              <a:ext uri="{FF2B5EF4-FFF2-40B4-BE49-F238E27FC236}">
+                <a16:creationId xmlns:a16="http://schemas.microsoft.com/office/drawing/2014/main" id="{4749C1A3-31DE-483B-B7E3-50315384C954}"/>
+              </a:ext>
+            </a:extLst>
+          </p:cNvPr>
+          <p:cNvPicPr>
+            <a:picLocks noGrp="1" noChangeAspect="1"/>
+          </p:cNvPicPr>
+          <p:nvPr>
+            <p:ph idx="1"/>
+          </p:nvPr>
+        </p:nvPicPr>
+        <p:blipFill>
+          <a:blip r:embed="rId2"/>
+          <a:stretch>
+            <a:fillRect/>
+          </a:stretch>
+        </p:blipFill>
+        <p:spPr>
+          <a:xfrm>
+            <a:off x="1171415" y="975360"/>
+            <a:ext cx="9407209" cy="5468938"/>
+          </a:xfrm>
+        </p:spPr>
+      </p:pic>
+      <p:sp>
+        <p:nvSpPr>
+          <p:cNvPr id="13" name="TextBox 12">
+            <a:extLst>
+              <a:ext uri="{FF2B5EF4-FFF2-40B4-BE49-F238E27FC236}">
+                <a16:creationId xmlns:a16="http://schemas.microsoft.com/office/drawing/2014/main" id="{3E4197FB-7AF3-4A89-8618-827E136EA83D}"/>
+              </a:ext>
+            </a:extLst>
+          </p:cNvPr>
+          <p:cNvSpPr txBox="1"/>
+          <p:nvPr/>
+        </p:nvSpPr>
+        <p:spPr>
+          <a:xfrm>
+            <a:off x="3398520" y="434022"/>
+            <a:ext cx="5394960" cy="369332"/>
+          </a:xfrm>
+          <a:prstGeom prst="rect">
+            <a:avLst/>
+          </a:prstGeom>
+          <a:noFill/>
+        </p:spPr>
+        <p:txBody>
+          <a:bodyPr wrap="square" rtlCol="0">
+            <a:spAutoFit/>
+          </a:bodyPr>
+          <a:lstStyle/>
+          <a:p>
+            <a:pPr algn="ctr"/>
+            <a:r>
+              <a:rPr lang="en-US" dirty="0"/>
+              <a:t>TOPICS WORDCLOUD</a:t>
+            </a:r>
+          </a:p>
+        </p:txBody>
+      </p:sp>
+    </p:spTree>
+    <p:extLst>
+      <p:ext uri="{BB962C8B-B14F-4D97-AF65-F5344CB8AC3E}">
+        <p14:creationId xmlns:p14="http://schemas.microsoft.com/office/powerpoint/2010/main" val="3736104861"/>
+      </p:ext>
+    </p:extLst>
+  </p:cSld>
+  <p:clrMapOvr>
+    <a:masterClrMapping/>
+  </p:clrMapOvr>
+</p:sld>
+</file>
+
+<file path=ppt/slides/slide11.xml><?xml version="1.0" encoding="utf-8"?>
+<p:sld xmlns:a="http://schemas.openxmlformats.org/drawingml/2006/main" xmlns:r="http://schemas.openxmlformats.org/officeDocument/2006/relationships" xmlns:p="http://schemas.openxmlformats.org/presentationml/2006/main">
+  <p:cSld>
+    <p:bg>
+      <p:bgPr>
+        <a:solidFill>
+          <a:schemeClr val="bg1"/>
+        </a:solidFill>
+        <a:effectLst/>
+      </p:bgPr>
+    </p:bg>
+    <p:spTree>
+      <p:nvGrpSpPr>
+        <p:cNvPr id="1" name=""/>
+        <p:cNvGrpSpPr/>
+        <p:nvPr/>
+      </p:nvGrpSpPr>
+      <p:grpSpPr>
+        <a:xfrm>
+          <a:off x="0" y="0"/>
+          <a:ext cx="0" cy="0"/>
+          <a:chOff x="0" y="0"/>
+          <a:chExt cx="0" cy="0"/>
+        </a:xfrm>
+      </p:grpSpPr>
+      <p:sp>
+        <p:nvSpPr>
+          <p:cNvPr id="10" name="Rectangle 9">
+            <a:extLst>
+              <a:ext uri="{FF2B5EF4-FFF2-40B4-BE49-F238E27FC236}">
+                <a16:creationId xmlns:a16="http://schemas.microsoft.com/office/drawing/2014/main" id="{0E99ED6D-365F-4CAE-942F-ECA78F74BD7F}"/>
+              </a:ext>
+              <a:ext uri="{C183D7F6-B498-43B3-948B-1728B52AA6E4}">
+                <adec:decorative xmlns:adec="http://schemas.microsoft.com/office/drawing/2017/decorative" val="1"/>
+              </a:ext>
+            </a:extLst>
+          </p:cNvPr>
+          <p:cNvSpPr>
+            <a:spLocks noGrp="1" noRot="1" noChangeAspect="1" noMove="1" noResize="1" noEditPoints="1" noAdjustHandles="1" noChangeArrowheads="1" noChangeShapeType="1" noTextEdit="1"/>
+          </p:cNvSpPr>
+          <p:nvPr>
+            <p:extLst>
+              <p:ext uri="{386F3935-93C4-4BCD-93E2-E3B085C9AB24}">
+                <p16:designElem xmlns:p16="http://schemas.microsoft.com/office/powerpoint/2015/main" val="1"/>
+              </p:ext>
+            </p:extLst>
+          </p:nvPr>
+        </p:nvSpPr>
+        <p:spPr>
+          <a:xfrm>
+            <a:off x="11292840" y="0"/>
+            <a:ext cx="914400" cy="6858000"/>
+          </a:xfrm>
+          <a:prstGeom prst="rect">
+            <a:avLst/>
+          </a:prstGeom>
+          <a:solidFill>
+            <a:schemeClr val="tx2">
+              <a:lumMod val="75000"/>
+            </a:schemeClr>
+          </a:solidFill>
+          <a:ln>
+            <a:noFill/>
+          </a:ln>
+        </p:spPr>
+        <p:style>
+          <a:lnRef idx="2">
+            <a:schemeClr val="accent1">
+              <a:shade val="50000"/>
+            </a:schemeClr>
+          </a:lnRef>
+          <a:fillRef idx="1">
+            <a:schemeClr val="accent1"/>
+          </a:fillRef>
+          <a:effectRef idx="0">
+            <a:schemeClr val="accent1"/>
+          </a:effectRef>
+          <a:fontRef idx="minor">
+            <a:schemeClr val="lt1"/>
+          </a:fontRef>
+        </p:style>
+      </p:sp>
+      <p:sp>
+        <p:nvSpPr>
+          <p:cNvPr id="12" name="Rectangle 11">
+            <a:extLst>
+              <a:ext uri="{FF2B5EF4-FFF2-40B4-BE49-F238E27FC236}">
+                <a16:creationId xmlns:a16="http://schemas.microsoft.com/office/drawing/2014/main" id="{CD0FF873-0D97-4AE7-A97E-539910376DCF}"/>
+              </a:ext>
+              <a:ext uri="{C183D7F6-B498-43B3-948B-1728B52AA6E4}">
+                <adec:decorative xmlns:adec="http://schemas.microsoft.com/office/drawing/2017/decorative" val="1"/>
+              </a:ext>
+            </a:extLst>
+          </p:cNvPr>
+          <p:cNvSpPr>
+            <a:spLocks noGrp="1" noRot="1" noChangeAspect="1" noMove="1" noResize="1" noEditPoints="1" noAdjustHandles="1" noChangeArrowheads="1" noChangeShapeType="1" noTextEdit="1"/>
+          </p:cNvSpPr>
+          <p:nvPr>
+            <p:extLst>
+              <p:ext uri="{386F3935-93C4-4BCD-93E2-E3B085C9AB24}">
+                <p16:designElem xmlns:p16="http://schemas.microsoft.com/office/powerpoint/2015/main" val="1"/>
+              </p:ext>
+            </p:extLst>
+          </p:nvPr>
+        </p:nvSpPr>
+        <p:spPr>
+          <a:xfrm>
+            <a:off x="0" y="0"/>
+            <a:ext cx="457200" cy="6858000"/>
+          </a:xfrm>
+          <a:prstGeom prst="rect">
+            <a:avLst/>
+          </a:prstGeom>
+          <a:solidFill>
+            <a:schemeClr val="accent1"/>
+          </a:solidFill>
+          <a:ln>
+            <a:noFill/>
+          </a:ln>
+        </p:spPr>
+        <p:style>
+          <a:lnRef idx="2">
+            <a:schemeClr val="accent1">
+              <a:shade val="50000"/>
+            </a:schemeClr>
+          </a:lnRef>
+          <a:fillRef idx="1">
+            <a:schemeClr val="accent1"/>
+          </a:fillRef>
+          <a:effectRef idx="0">
+            <a:schemeClr val="accent1"/>
+          </a:effectRef>
+          <a:fontRef idx="minor">
+            <a:schemeClr val="lt1"/>
+          </a:fontRef>
+        </p:style>
+      </p:sp>
+      <p:pic>
+        <p:nvPicPr>
           <p:cNvPr id="5" name="Content Placeholder 4" descr="A close up of a newspaper&#10;&#10;Description automatically generated">
             <a:extLst>
               <a:ext uri="{FF2B5EF4-FFF2-40B4-BE49-F238E27FC236}">
@@ -4829,14 +5045,6 @@
 <file path=ppt/slides/slide9.xml><?xml version="1.0" encoding="utf-8"?>
 <p:sld xmlns:a="http://schemas.openxmlformats.org/drawingml/2006/main" xmlns:r="http://schemas.openxmlformats.org/officeDocument/2006/relationships" xmlns:p="http://schemas.openxmlformats.org/presentationml/2006/main">
   <p:cSld>
-    <p:bg>
-      <p:bgPr>
-        <a:solidFill>
-          <a:schemeClr val="bg1"/>
-        </a:solidFill>
-        <a:effectLst/>
-      </p:bgPr>
-    </p:bg>
     <p:spTree>
       <p:nvGrpSpPr>
         <p:cNvPr id="1" name=""/>
@@ -4851,133 +5059,19 @@
           <a:chExt cx="0" cy="0"/>
         </a:xfrm>
       </p:grpSpPr>
-      <p:sp>
-        <p:nvSpPr>
-          <p:cNvPr id="10" name="Rectangle 9">
+      <p:pic>
+        <p:nvPicPr>
+          <p:cNvPr id="3" name="Picture 2" descr="A screenshot of a cell phone&#10;&#10;Description automatically generated">
             <a:extLst>
               <a:ext uri="{FF2B5EF4-FFF2-40B4-BE49-F238E27FC236}">
-                <a16:creationId xmlns:a16="http://schemas.microsoft.com/office/drawing/2014/main" id="{0E99ED6D-365F-4CAE-942F-ECA78F74BD7F}"/>
-              </a:ext>
-              <a:ext uri="{C183D7F6-B498-43B3-948B-1728B52AA6E4}">
-                <adec:decorative xmlns:adec="http://schemas.microsoft.com/office/drawing/2017/decorative" val="1"/>
-              </a:ext>
-            </a:extLst>
-          </p:cNvPr>
-          <p:cNvSpPr>
-            <a:spLocks noGrp="1" noRot="1" noChangeAspect="1" noMove="1" noResize="1" noEditPoints="1" noAdjustHandles="1" noChangeArrowheads="1" noChangeShapeType="1" noTextEdit="1"/>
-          </p:cNvSpPr>
-          <p:nvPr>
-            <p:extLst>
-              <p:ext uri="{386F3935-93C4-4BCD-93E2-E3B085C9AB24}">
-                <p16:designElem xmlns:p16="http://schemas.microsoft.com/office/powerpoint/2015/main" val="1"/>
-              </p:ext>
-            </p:extLst>
-          </p:nvPr>
-        </p:nvSpPr>
-        <p:spPr>
-          <a:xfrm>
-            <a:off x="11292840" y="0"/>
-            <a:ext cx="914400" cy="6858000"/>
-          </a:xfrm>
-          <a:prstGeom prst="rect">
-            <a:avLst/>
-          </a:prstGeom>
-          <a:solidFill>
-            <a:schemeClr val="tx2">
-              <a:lumMod val="75000"/>
-            </a:schemeClr>
-          </a:solidFill>
-          <a:ln>
-            <a:noFill/>
-          </a:ln>
-        </p:spPr>
-        <p:style>
-          <a:lnRef idx="2">
-            <a:schemeClr val="accent1">
-              <a:shade val="50000"/>
-            </a:schemeClr>
-          </a:lnRef>
-          <a:fillRef idx="1">
-            <a:schemeClr val="accent1"/>
-          </a:fillRef>
-          <a:effectRef idx="0">
-            <a:schemeClr val="accent1"/>
-          </a:effectRef>
-          <a:fontRef idx="minor">
-            <a:schemeClr val="lt1"/>
-          </a:fontRef>
-        </p:style>
-      </p:sp>
-      <p:sp>
-        <p:nvSpPr>
-          <p:cNvPr id="12" name="Rectangle 11">
-            <a:extLst>
-              <a:ext uri="{FF2B5EF4-FFF2-40B4-BE49-F238E27FC236}">
-                <a16:creationId xmlns:a16="http://schemas.microsoft.com/office/drawing/2014/main" id="{CD0FF873-0D97-4AE7-A97E-539910376DCF}"/>
-              </a:ext>
-              <a:ext uri="{C183D7F6-B498-43B3-948B-1728B52AA6E4}">
-                <adec:decorative xmlns:adec="http://schemas.microsoft.com/office/drawing/2017/decorative" val="1"/>
-              </a:ext>
-            </a:extLst>
-          </p:cNvPr>
-          <p:cNvSpPr>
-            <a:spLocks noGrp="1" noRot="1" noChangeAspect="1" noMove="1" noResize="1" noEditPoints="1" noAdjustHandles="1" noChangeArrowheads="1" noChangeShapeType="1" noTextEdit="1"/>
-          </p:cNvSpPr>
-          <p:nvPr>
-            <p:extLst>
-              <p:ext uri="{386F3935-93C4-4BCD-93E2-E3B085C9AB24}">
-                <p16:designElem xmlns:p16="http://schemas.microsoft.com/office/powerpoint/2015/main" val="1"/>
-              </p:ext>
-            </p:extLst>
-          </p:nvPr>
-        </p:nvSpPr>
-        <p:spPr>
-          <a:xfrm>
-            <a:off x="0" y="0"/>
-            <a:ext cx="457200" cy="6858000"/>
-          </a:xfrm>
-          <a:prstGeom prst="rect">
-            <a:avLst/>
-          </a:prstGeom>
-          <a:solidFill>
-            <a:schemeClr val="accent1"/>
-          </a:solidFill>
-          <a:ln>
-            <a:noFill/>
-          </a:ln>
-        </p:spPr>
-        <p:style>
-          <a:lnRef idx="2">
-            <a:schemeClr val="accent1">
-              <a:shade val="50000"/>
-            </a:schemeClr>
-          </a:lnRef>
-          <a:fillRef idx="1">
-            <a:schemeClr val="accent1"/>
-          </a:fillRef>
-          <a:effectRef idx="0">
-            <a:schemeClr val="accent1"/>
-          </a:effectRef>
-          <a:fontRef idx="minor">
-            <a:schemeClr val="lt1"/>
-          </a:fontRef>
-        </p:style>
-      </p:sp>
-      <p:pic>
-        <p:nvPicPr>
-          <p:cNvPr id="9" name="Content Placeholder 8" descr="A screenshot of a cell phone&#10;&#10;Description automatically generated">
-            <a:extLst>
-              <a:ext uri="{FF2B5EF4-FFF2-40B4-BE49-F238E27FC236}">
-                <a16:creationId xmlns:a16="http://schemas.microsoft.com/office/drawing/2014/main" id="{4749C1A3-31DE-483B-B7E3-50315384C954}"/>
+                <a16:creationId xmlns:a16="http://schemas.microsoft.com/office/drawing/2014/main" id="{6C7D43C7-56AD-457F-A6C8-6DE200BAF2EC}"/>
               </a:ext>
             </a:extLst>
           </p:cNvPr>
           <p:cNvPicPr>
-            <a:picLocks noGrp="1" noChangeAspect="1"/>
+            <a:picLocks noChangeAspect="1"/>
           </p:cNvPicPr>
-          <p:nvPr>
-            <p:ph idx="1"/>
-          </p:nvPr>
+          <p:nvPr/>
         </p:nvPicPr>
         <p:blipFill>
           <a:blip r:embed="rId2"/>
@@ -4987,51 +5081,18 @@
         </p:blipFill>
         <p:spPr>
           <a:xfrm>
-            <a:off x="1171415" y="975360"/>
-            <a:ext cx="9407209" cy="5468938"/>
-          </a:xfrm>
-        </p:spPr>
-      </p:pic>
-      <p:sp>
-        <p:nvSpPr>
-          <p:cNvPr id="13" name="TextBox 12">
-            <a:extLst>
-              <a:ext uri="{FF2B5EF4-FFF2-40B4-BE49-F238E27FC236}">
-                <a16:creationId xmlns:a16="http://schemas.microsoft.com/office/drawing/2014/main" id="{3E4197FB-7AF3-4A89-8618-827E136EA83D}"/>
-              </a:ext>
-            </a:extLst>
-          </p:cNvPr>
-          <p:cNvSpPr txBox="1"/>
-          <p:nvPr/>
-        </p:nvSpPr>
-        <p:spPr>
-          <a:xfrm>
-            <a:off x="3398520" y="434022"/>
-            <a:ext cx="5394960" cy="369332"/>
+            <a:off x="326254" y="1259840"/>
+            <a:ext cx="10585839" cy="4612639"/>
           </a:xfrm>
           <a:prstGeom prst="rect">
             <a:avLst/>
           </a:prstGeom>
-          <a:noFill/>
         </p:spPr>
-        <p:txBody>
-          <a:bodyPr wrap="square" rtlCol="0">
-            <a:spAutoFit/>
-          </a:bodyPr>
-          <a:lstStyle/>
-          <a:p>
-            <a:pPr algn="ctr"/>
-            <a:r>
-              <a:rPr lang="en-US" dirty="0"/>
-              <a:t>TOPICS WORDCLOUD</a:t>
-            </a:r>
-          </a:p>
-        </p:txBody>
-      </p:sp>
+      </p:pic>
     </p:spTree>
     <p:extLst>
       <p:ext uri="{BB962C8B-B14F-4D97-AF65-F5344CB8AC3E}">
-        <p14:creationId xmlns:p14="http://schemas.microsoft.com/office/powerpoint/2010/main" val="3736104861"/>
+        <p14:creationId xmlns:p14="http://schemas.microsoft.com/office/powerpoint/2010/main" val="3521986879"/>
       </p:ext>
     </p:extLst>
   </p:cSld>
